--- a/プレゼンテーション1.pptx
+++ b/プレゼンテーション1.pptx
@@ -1300,6 +1300,10 @@
           </a:bodyPr>
           <a:lstStyle/>
           <a:p>
+            <a:r>
+              <a:rPr kumimoji="1" lang="en-US" altLang="ja-JP" sz="4800"/>
+              <a:t>asdfghjkl</a:t>
+            </a:r>
             <a:endParaRPr kumimoji="1" lang="ja-JP" altLang="en-US" sz="4800"/>
           </a:p>
         </p:txBody>

--- a/プレゼンテーション1.pptx
+++ b/プレゼンテーション1.pptx
@@ -1409,7 +1409,7 @@
         </p:blipFill>
         <p:spPr>
           <a:xfrm>
-            <a:off x="-1" y="-1"/>
+            <a:off x="0" y="2568"/>
             <a:ext cx="12198915" cy="4220682"/>
           </a:xfrm>
           <a:prstGeom prst="rect">
@@ -1417,6 +1417,52 @@
           </a:prstGeom>
         </p:spPr>
       </p:pic>
+      <p:sp>
+        <p:nvSpPr>
+          <p:cNvPr id="5" name="スマイル 4">
+            <a:extLst>
+              <a:ext uri="{FF2B5EF4-FFF2-40B4-BE49-F238E27FC236}">
+                <a16:creationId xmlns:a16="http://schemas.microsoft.com/office/drawing/2014/main" id="{048EEE92-6D06-744E-9088-071CC47A078B}"/>
+              </a:ext>
+            </a:extLst>
+          </p:cNvPr>
+          <p:cNvSpPr/>
+          <p:nvPr/>
+        </p:nvSpPr>
+        <p:spPr>
+          <a:xfrm>
+            <a:off x="7850459" y="4538343"/>
+            <a:ext cx="914400" cy="914400"/>
+          </a:xfrm>
+          <a:prstGeom prst="smileyFace">
+            <a:avLst/>
+          </a:prstGeom>
+        </p:spPr>
+        <p:style>
+          <a:lnRef idx="2">
+            <a:schemeClr val="accent1">
+              <a:shade val="50000"/>
+            </a:schemeClr>
+          </a:lnRef>
+          <a:fillRef idx="1">
+            <a:schemeClr val="accent1"/>
+          </a:fillRef>
+          <a:effectRef idx="0">
+            <a:schemeClr val="accent1"/>
+          </a:effectRef>
+          <a:fontRef idx="minor">
+            <a:schemeClr val="lt1"/>
+          </a:fontRef>
+        </p:style>
+        <p:txBody>
+          <a:bodyPr rtlCol="0" anchor="ctr"/>
+          <a:lstStyle/>
+          <a:p>
+            <a:pPr algn="ctr"/>
+            <a:endParaRPr kumimoji="1" lang="ja-JP" altLang="en-US"/>
+          </a:p>
+        </p:txBody>
+      </p:sp>
     </p:spTree>
     <p:extLst>
       <p:ext uri="{BB962C8B-B14F-4D97-AF65-F5344CB8AC3E}">
